--- a/Design Notebook.pptx
+++ b/Design Notebook.pptx
@@ -3940,28 +3940,29 @@
             <a:pPr lvl="1"/>
             <a:r>
               <a:rPr lang="en-US" b="1" dirty="0"/>
-              <a:t>Fix: Continuous load cell auto zero function created to </a:t>
-            </a:r>
-            <a:r>
-              <a:rPr lang="en-US" b="1" dirty="0" err="1"/>
-              <a:t>contiuously</a:t>
-            </a:r>
-            <a:r>
-              <a:rPr lang="en-US" b="1"/>
-              <a:t> adjust </a:t>
-            </a:r>
+              <a:t>Fixes:</a:t>
+            </a:r>
+          </a:p>
+          <a:p>
+            <a:pPr lvl="2"/>
             <a:r>
               <a:rPr lang="en-US" b="1" dirty="0"/>
-              <a:t>reference point for super fine </a:t>
-            </a:r>
-            <a:r>
-              <a:rPr lang="en-US" b="1"/>
-              <a:t>drift values &lt; 0.05 g</a:t>
-            </a:r>
-            <a:endParaRPr lang="en-US" b="1" dirty="0"/>
-          </a:p>
-          <a:p>
-            <a:pPr lvl="1"/>
+              <a:t>Filtering function through exponential moving average for smoothening/stability (static between loop calls)</a:t>
+            </a:r>
+          </a:p>
+          <a:p>
+            <a:pPr lvl="2"/>
+            <a:r>
+              <a:rPr lang="en-US" b="1" dirty="0"/>
+              <a:t>Quantize function to round values cleanly for stability</a:t>
+            </a:r>
+          </a:p>
+          <a:p>
+            <a:pPr lvl="2"/>
+            <a:r>
+              <a:rPr lang="en-US" b="1" dirty="0"/>
+              <a:t>Hysteresis fix to cancel out noise</a:t>
+            </a:r>
             <a:endParaRPr lang="en-US" dirty="0"/>
           </a:p>
         </p:txBody>
@@ -4043,7 +4044,9 @@
         </p:nvSpPr>
         <p:spPr/>
         <p:txBody>
-          <a:bodyPr/>
+          <a:bodyPr>
+            <a:normAutofit fontScale="92500" lnSpcReduction="10000"/>
+          </a:bodyPr>
           <a:lstStyle/>
           <a:p>
             <a:pPr marL="0" indent="0">
@@ -4053,6 +4056,67 @@
               <a:rPr lang="en-US" b="1" dirty="0"/>
               <a:t>Technical Skills Gained</a:t>
             </a:r>
+          </a:p>
+          <a:p>
+            <a:r>
+              <a:rPr lang="en-US" sz="1800" dirty="0"/>
+              <a:t>Signal processing through embedded UX Masking</a:t>
+            </a:r>
+          </a:p>
+          <a:p>
+            <a:r>
+              <a:rPr lang="en-US" sz="1800" dirty="0"/>
+              <a:t>Load cell output tuning and calibration</a:t>
+            </a:r>
+          </a:p>
+          <a:p>
+            <a:r>
+              <a:rPr lang="en-US" sz="1800" dirty="0"/>
+              <a:t>Hysteresis and deadband design</a:t>
+            </a:r>
+          </a:p>
+          <a:p>
+            <a:r>
+              <a:rPr lang="en-US" sz="1800" dirty="0"/>
+              <a:t>FSM design</a:t>
+            </a:r>
+          </a:p>
+          <a:p>
+            <a:r>
+              <a:rPr lang="en-US" sz="1800" dirty="0"/>
+              <a:t>Power system design: Li-ion batteries, charging modules, boost conversion, brownout awareness</a:t>
+            </a:r>
+          </a:p>
+          <a:p>
+            <a:r>
+              <a:rPr lang="en-US" sz="1800" dirty="0"/>
+              <a:t>Load cell mounting and preload considerations</a:t>
+            </a:r>
+          </a:p>
+          <a:p>
+            <a:r>
+              <a:rPr lang="en-US" sz="1800" dirty="0"/>
+              <a:t>Electronics enclosure planning</a:t>
+            </a:r>
+          </a:p>
+          <a:p>
+            <a:r>
+              <a:rPr lang="en-US" sz="1800" dirty="0"/>
+              <a:t>Root-cause debugging</a:t>
+            </a:r>
+          </a:p>
+          <a:p>
+            <a:r>
+              <a:rPr lang="en-US" sz="1800" dirty="0"/>
+              <a:t>Water resistant design</a:t>
+            </a:r>
+          </a:p>
+          <a:p>
+            <a:r>
+              <a:rPr lang="en-US" sz="1800"/>
+              <a:t>Capacitive touch design</a:t>
+            </a:r>
+            <a:endParaRPr lang="en-US" sz="1800" dirty="0"/>
           </a:p>
           <a:p>
             <a:pPr marL="0" indent="0">
